--- a/graphs/Preliminary Results.pptx
+++ b/graphs/Preliminary Results.pptx
@@ -7636,7 +7636,7 @@
           <a:p>
             <a:fld id="{F7FB0B46-5AA7-4946-8E36-447EA72E75FF}" type="datetimeFigureOut">
               <a:rPr lang="en-US" smtClean="0"/>
-              <a:t>7/13/2016</a:t>
+              <a:t>7/21/2016</a:t>
             </a:fld>
             <a:endParaRPr lang="en-US"/>
           </a:p>
@@ -8035,7 +8035,7 @@
           <a:p>
             <a:fld id="{D96C56FA-F925-471D-93D6-721E6E38F12E}" type="datetimeFigureOut">
               <a:rPr lang="en-US" smtClean="0"/>
-              <a:t>7/13/2016</a:t>
+              <a:t>7/21/2016</a:t>
             </a:fld>
             <a:endParaRPr lang="en-US"/>
           </a:p>
@@ -8205,7 +8205,7 @@
           <a:p>
             <a:fld id="{D96C56FA-F925-471D-93D6-721E6E38F12E}" type="datetimeFigureOut">
               <a:rPr lang="en-US" smtClean="0"/>
-              <a:t>7/13/2016</a:t>
+              <a:t>7/21/2016</a:t>
             </a:fld>
             <a:endParaRPr lang="en-US"/>
           </a:p>
@@ -8385,7 +8385,7 @@
           <a:p>
             <a:fld id="{D96C56FA-F925-471D-93D6-721E6E38F12E}" type="datetimeFigureOut">
               <a:rPr lang="en-US" smtClean="0"/>
-              <a:t>7/13/2016</a:t>
+              <a:t>7/21/2016</a:t>
             </a:fld>
             <a:endParaRPr lang="en-US"/>
           </a:p>
@@ -8555,7 +8555,7 @@
           <a:p>
             <a:fld id="{D96C56FA-F925-471D-93D6-721E6E38F12E}" type="datetimeFigureOut">
               <a:rPr lang="en-US" smtClean="0"/>
-              <a:t>7/13/2016</a:t>
+              <a:t>7/21/2016</a:t>
             </a:fld>
             <a:endParaRPr lang="en-US"/>
           </a:p>
@@ -8801,7 +8801,7 @@
           <a:p>
             <a:fld id="{D96C56FA-F925-471D-93D6-721E6E38F12E}" type="datetimeFigureOut">
               <a:rPr lang="en-US" smtClean="0"/>
-              <a:t>7/13/2016</a:t>
+              <a:t>7/21/2016</a:t>
             </a:fld>
             <a:endParaRPr lang="en-US"/>
           </a:p>
@@ -9033,7 +9033,7 @@
           <a:p>
             <a:fld id="{D96C56FA-F925-471D-93D6-721E6E38F12E}" type="datetimeFigureOut">
               <a:rPr lang="en-US" smtClean="0"/>
-              <a:t>7/13/2016</a:t>
+              <a:t>7/21/2016</a:t>
             </a:fld>
             <a:endParaRPr lang="en-US"/>
           </a:p>
@@ -9400,7 +9400,7 @@
           <a:p>
             <a:fld id="{D96C56FA-F925-471D-93D6-721E6E38F12E}" type="datetimeFigureOut">
               <a:rPr lang="en-US" smtClean="0"/>
-              <a:t>7/13/2016</a:t>
+              <a:t>7/21/2016</a:t>
             </a:fld>
             <a:endParaRPr lang="en-US"/>
           </a:p>
@@ -9518,7 +9518,7 @@
           <a:p>
             <a:fld id="{D96C56FA-F925-471D-93D6-721E6E38F12E}" type="datetimeFigureOut">
               <a:rPr lang="en-US" smtClean="0"/>
-              <a:t>7/13/2016</a:t>
+              <a:t>7/21/2016</a:t>
             </a:fld>
             <a:endParaRPr lang="en-US"/>
           </a:p>
@@ -9613,7 +9613,7 @@
           <a:p>
             <a:fld id="{D96C56FA-F925-471D-93D6-721E6E38F12E}" type="datetimeFigureOut">
               <a:rPr lang="en-US" smtClean="0"/>
-              <a:t>7/13/2016</a:t>
+              <a:t>7/21/2016</a:t>
             </a:fld>
             <a:endParaRPr lang="en-US"/>
           </a:p>
@@ -9890,7 +9890,7 @@
           <a:p>
             <a:fld id="{D96C56FA-F925-471D-93D6-721E6E38F12E}" type="datetimeFigureOut">
               <a:rPr lang="en-US" smtClean="0"/>
-              <a:t>7/13/2016</a:t>
+              <a:t>7/21/2016</a:t>
             </a:fld>
             <a:endParaRPr lang="en-US"/>
           </a:p>
@@ -10143,7 +10143,7 @@
           <a:p>
             <a:fld id="{D96C56FA-F925-471D-93D6-721E6E38F12E}" type="datetimeFigureOut">
               <a:rPr lang="en-US" smtClean="0"/>
-              <a:t>7/13/2016</a:t>
+              <a:t>7/21/2016</a:t>
             </a:fld>
             <a:endParaRPr lang="en-US"/>
           </a:p>
@@ -10356,7 +10356,7 @@
           <a:p>
             <a:fld id="{D96C56FA-F925-471D-93D6-721E6E38F12E}" type="datetimeFigureOut">
               <a:rPr lang="en-US" smtClean="0"/>
-              <a:t>7/13/2016</a:t>
+              <a:t>7/21/2016</a:t>
             </a:fld>
             <a:endParaRPr lang="en-US"/>
           </a:p>
@@ -10978,7 +10978,7 @@
         </p:nvSpPr>
         <p:spPr>
           <a:xfrm>
-            <a:off x="6940843" y="570402"/>
+            <a:off x="6916599" y="570402"/>
             <a:ext cx="1736271" cy="571500"/>
           </a:xfrm>
           <a:prstGeom prst="ellipse">
@@ -11020,8 +11020,8 @@
         </p:nvSpPr>
         <p:spPr>
           <a:xfrm>
-            <a:off x="6256929" y="2184242"/>
-            <a:ext cx="2330498" cy="564370"/>
+            <a:off x="6206017" y="2184242"/>
+            <a:ext cx="2466724" cy="564370"/>
           </a:xfrm>
           <a:prstGeom prst="rect">
             <a:avLst/>
@@ -11045,10 +11045,9 @@
           <a:bodyPr rtlCol="0" anchor="ctr"/>
           <a:lstStyle/>
           <a:p>
-            <a:pPr algn="ctr"/>
             <a:r>
               <a:rPr lang="en-US" dirty="0" smtClean="0"/>
-              <a:t>Collect </a:t>
+              <a:t>2a. Collect </a:t>
             </a:r>
             <a:r>
               <a:rPr lang="en-US" i="1" dirty="0" smtClean="0"/>
@@ -11085,8 +11084,8 @@
         </p:nvSpPr>
         <p:spPr>
           <a:xfrm>
-            <a:off x="6251518" y="3035461"/>
-            <a:ext cx="2330497" cy="620486"/>
+            <a:off x="6206017" y="3035461"/>
+            <a:ext cx="2466723" cy="620486"/>
           </a:xfrm>
           <a:prstGeom prst="rect">
             <a:avLst/>
@@ -11110,21 +11109,23 @@
           <a:bodyPr rtlCol="0" anchor="ctr"/>
           <a:lstStyle/>
           <a:p>
-            <a:pPr algn="ctr"/>
             <a:r>
               <a:rPr lang="en-US" dirty="0" smtClean="0"/>
-              <a:t>Build/Broadcast </a:t>
-            </a:r>
-          </a:p>
-          <a:p>
-            <a:pPr algn="ctr"/>
+              <a:t>2b. Build/Broadcast </a:t>
+            </a:r>
+          </a:p>
+          <a:p>
             <a:r>
               <a:rPr lang="en-US" b="1" i="1" dirty="0" smtClean="0"/>
-              <a:t>abstract</a:t>
+              <a:t>        abstract</a:t>
             </a:r>
             <a:r>
               <a:rPr lang="en-US" dirty="0" smtClean="0"/>
-              <a:t> filters</a:t>
+              <a:t> </a:t>
+            </a:r>
+            <a:r>
+              <a:rPr lang="en-US" dirty="0" smtClean="0"/>
+              <a:t>filter</a:t>
             </a:r>
             <a:endParaRPr lang="en-US" sz="1100" i="1" dirty="0"/>
           </a:p>
@@ -11138,8 +11139,8 @@
         </p:nvSpPr>
         <p:spPr>
           <a:xfrm>
-            <a:off x="6251518" y="3915875"/>
-            <a:ext cx="3111936" cy="460270"/>
+            <a:off x="6206017" y="3915875"/>
+            <a:ext cx="3157437" cy="460270"/>
           </a:xfrm>
           <a:prstGeom prst="rect">
             <a:avLst/>
@@ -11163,10 +11164,9 @@
           <a:bodyPr rtlCol="0" anchor="ctr"/>
           <a:lstStyle/>
           <a:p>
-            <a:pPr algn="ctr"/>
             <a:r>
               <a:rPr lang="en-US" dirty="0" smtClean="0"/>
-              <a:t>Apply </a:t>
+              <a:t>2c. Apply </a:t>
             </a:r>
             <a:r>
               <a:rPr lang="en-US" b="1" i="1" dirty="0" smtClean="0"/>
@@ -11174,7 +11174,11 @@
             </a:r>
             <a:r>
               <a:rPr lang="en-US" dirty="0" smtClean="0"/>
-              <a:t> filters </a:t>
+              <a:t> </a:t>
+            </a:r>
+            <a:r>
+              <a:rPr lang="en-US" dirty="0" smtClean="0"/>
+              <a:t>filter </a:t>
             </a:r>
             <a:endParaRPr lang="en-US" sz="1100" i="1" dirty="0"/>
           </a:p>
@@ -11188,8 +11192,8 @@
         </p:nvSpPr>
         <p:spPr>
           <a:xfrm>
-            <a:off x="6251518" y="4948424"/>
-            <a:ext cx="3111936" cy="563384"/>
+            <a:off x="6206017" y="4948424"/>
+            <a:ext cx="3157437" cy="563384"/>
           </a:xfrm>
           <a:prstGeom prst="rect">
             <a:avLst/>
@@ -11216,7 +11220,7 @@
             <a:pPr algn="ctr"/>
             <a:r>
               <a:rPr lang="en-US" sz="2000" dirty="0" smtClean="0"/>
-              <a:t>Pattern Match</a:t>
+              <a:t>3. Pattern Match</a:t>
             </a:r>
             <a:endParaRPr lang="en-US" sz="2000" i="1" dirty="0"/>
           </a:p>
@@ -11265,9 +11269,9 @@
           <p:nvPr/>
         </p:nvCxnSpPr>
         <p:spPr>
-          <a:xfrm flipH="1">
-            <a:off x="7416767" y="2748612"/>
-            <a:ext cx="5411" cy="286849"/>
+          <a:xfrm>
+            <a:off x="7439379" y="2748612"/>
+            <a:ext cx="0" cy="286849"/>
           </a:xfrm>
           <a:prstGeom prst="straightConnector1">
             <a:avLst/>
@@ -11300,9 +11304,9 @@
           <p:nvPr/>
         </p:nvCxnSpPr>
         <p:spPr>
-          <a:xfrm>
-            <a:off x="7416767" y="3655947"/>
-            <a:ext cx="0" cy="259928"/>
+          <a:xfrm flipH="1">
+            <a:off x="7434965" y="3655947"/>
+            <a:ext cx="4414" cy="259928"/>
           </a:xfrm>
           <a:prstGeom prst="straightConnector1">
             <a:avLst/>
@@ -11337,7 +11341,7 @@
         </p:nvCxnSpPr>
         <p:spPr>
           <a:xfrm>
-            <a:off x="7807486" y="4376145"/>
+            <a:off x="7784736" y="4376145"/>
             <a:ext cx="0" cy="315629"/>
           </a:xfrm>
           <a:prstGeom prst="straightConnector1">
@@ -11373,8 +11377,8 @@
         </p:nvCxnSpPr>
         <p:spPr>
           <a:xfrm>
-            <a:off x="7808979" y="1141902"/>
-            <a:ext cx="0" cy="382097"/>
+            <a:off x="7784735" y="1141902"/>
+            <a:ext cx="1" cy="382097"/>
           </a:xfrm>
           <a:prstGeom prst="straightConnector1">
             <a:avLst/>
@@ -11410,7 +11414,7 @@
         <p:spPr>
           <a:xfrm>
             <a:off x="2458315" y="1523999"/>
-            <a:ext cx="3108950" cy="657685"/>
+            <a:ext cx="3152530" cy="657685"/>
           </a:xfrm>
           <a:prstGeom prst="rect">
             <a:avLst/>
@@ -11442,7 +11446,7 @@
                   <a:schemeClr val="tx1"/>
                 </a:solidFill>
               </a:rPr>
-              <a:t>Apply </a:t>
+              <a:t>1. Apply </a:t>
             </a:r>
             <a:r>
               <a:rPr lang="en-US" sz="2000" b="1" i="1" dirty="0" smtClean="0">
@@ -11473,7 +11477,7 @@
         </p:nvSpPr>
         <p:spPr>
           <a:xfrm>
-            <a:off x="3144654" y="583866"/>
+            <a:off x="3166444" y="570402"/>
             <a:ext cx="1736271" cy="571500"/>
           </a:xfrm>
           <a:prstGeom prst="ellipse">
@@ -11516,7 +11520,7 @@
         <p:spPr>
           <a:xfrm>
             <a:off x="2458315" y="4948424"/>
-            <a:ext cx="3108950" cy="563383"/>
+            <a:ext cx="3152530" cy="563383"/>
           </a:xfrm>
           <a:prstGeom prst="rect">
             <a:avLst/>
@@ -11542,6 +11546,10 @@
           <a:p>
             <a:pPr algn="ctr"/>
             <a:r>
+              <a:rPr lang="en-US" sz="2000" smtClean="0"/>
+              <a:t>2. </a:t>
+            </a:r>
+            <a:r>
               <a:rPr lang="en-US" sz="2000" dirty="0" smtClean="0"/>
               <a:t>Pattern Match</a:t>
             </a:r>
@@ -11560,7 +11568,7 @@
         </p:nvCxnSpPr>
         <p:spPr>
           <a:xfrm>
-            <a:off x="4012790" y="2181684"/>
+            <a:off x="4034580" y="2181684"/>
             <a:ext cx="0" cy="2505469"/>
           </a:xfrm>
           <a:prstGeom prst="straightConnector1">
@@ -11596,8 +11604,8 @@
         </p:nvCxnSpPr>
         <p:spPr>
           <a:xfrm>
-            <a:off x="4012790" y="1155366"/>
-            <a:ext cx="0" cy="368633"/>
+            <a:off x="4034580" y="1141902"/>
+            <a:ext cx="0" cy="382097"/>
           </a:xfrm>
           <a:prstGeom prst="straightConnector1">
             <a:avLst/>
@@ -11648,8 +11656,12 @@
           <a:p>
             <a:pPr algn="ctr"/>
             <a:r>
+              <a:rPr lang="en-US" dirty="0" err="1" smtClean="0"/>
+              <a:t>i</a:t>
+            </a:r>
+            <a:r>
               <a:rPr lang="en-US" dirty="0" smtClean="0"/>
-              <a:t>a) Naive</a:t>
+              <a:t>) Naive</a:t>
             </a:r>
             <a:endParaRPr lang="en-US" dirty="0"/>
           </a:p>
@@ -11679,12 +11691,8 @@
           <a:p>
             <a:pPr algn="ctr"/>
             <a:r>
-              <a:rPr lang="en-US" dirty="0"/>
-              <a:t>b</a:t>
-            </a:r>
-            <a:r>
               <a:rPr lang="en-US" dirty="0" smtClean="0"/>
-              <a:t>) Optimized</a:t>
+              <a:t>ii) Optimized</a:t>
             </a:r>
             <a:endParaRPr lang="en-US" dirty="0"/>
           </a:p>
@@ -11699,7 +11707,7 @@
         <p:spPr>
           <a:xfrm>
             <a:off x="2458315" y="4687153"/>
-            <a:ext cx="3108950" cy="260184"/>
+            <a:ext cx="3152530" cy="260184"/>
           </a:xfrm>
           <a:prstGeom prst="rect">
             <a:avLst/>
@@ -11740,8 +11748,8 @@
         </p:nvSpPr>
         <p:spPr>
           <a:xfrm>
-            <a:off x="6251517" y="4691774"/>
-            <a:ext cx="3111937" cy="260184"/>
+            <a:off x="6206017" y="4691774"/>
+            <a:ext cx="3157437" cy="260184"/>
           </a:xfrm>
           <a:prstGeom prst="rect">
             <a:avLst/>
@@ -11782,8 +11790,8 @@
         </p:nvSpPr>
         <p:spPr>
           <a:xfrm>
-            <a:off x="6254504" y="1523999"/>
-            <a:ext cx="3108950" cy="657685"/>
+            <a:off x="6206017" y="1523999"/>
+            <a:ext cx="3157437" cy="657685"/>
           </a:xfrm>
           <a:prstGeom prst="rect">
             <a:avLst/>
@@ -11815,7 +11823,7 @@
                   <a:schemeClr val="tx1"/>
                 </a:solidFill>
               </a:rPr>
-              <a:t>Apply </a:t>
+              <a:t>1. Apply </a:t>
             </a:r>
             <a:r>
               <a:rPr lang="en-US" sz="2000" b="1" i="1" dirty="0" smtClean="0">

--- a/graphs/Preliminary Results.pptx
+++ b/graphs/Preliminary Results.pptx
@@ -7636,7 +7636,7 @@
           <a:p>
             <a:fld id="{F7FB0B46-5AA7-4946-8E36-447EA72E75FF}" type="datetimeFigureOut">
               <a:rPr lang="en-US" smtClean="0"/>
-              <a:t>7/21/2016</a:t>
+              <a:t>7/22/2016</a:t>
             </a:fld>
             <a:endParaRPr lang="en-US"/>
           </a:p>
@@ -8035,7 +8035,7 @@
           <a:p>
             <a:fld id="{D96C56FA-F925-471D-93D6-721E6E38F12E}" type="datetimeFigureOut">
               <a:rPr lang="en-US" smtClean="0"/>
-              <a:t>7/21/2016</a:t>
+              <a:t>7/22/2016</a:t>
             </a:fld>
             <a:endParaRPr lang="en-US"/>
           </a:p>
@@ -8205,7 +8205,7 @@
           <a:p>
             <a:fld id="{D96C56FA-F925-471D-93D6-721E6E38F12E}" type="datetimeFigureOut">
               <a:rPr lang="en-US" smtClean="0"/>
-              <a:t>7/21/2016</a:t>
+              <a:t>7/22/2016</a:t>
             </a:fld>
             <a:endParaRPr lang="en-US"/>
           </a:p>
@@ -8385,7 +8385,7 @@
           <a:p>
             <a:fld id="{D96C56FA-F925-471D-93D6-721E6E38F12E}" type="datetimeFigureOut">
               <a:rPr lang="en-US" smtClean="0"/>
-              <a:t>7/21/2016</a:t>
+              <a:t>7/22/2016</a:t>
             </a:fld>
             <a:endParaRPr lang="en-US"/>
           </a:p>
@@ -8555,7 +8555,7 @@
           <a:p>
             <a:fld id="{D96C56FA-F925-471D-93D6-721E6E38F12E}" type="datetimeFigureOut">
               <a:rPr lang="en-US" smtClean="0"/>
-              <a:t>7/21/2016</a:t>
+              <a:t>7/22/2016</a:t>
             </a:fld>
             <a:endParaRPr lang="en-US"/>
           </a:p>
@@ -8801,7 +8801,7 @@
           <a:p>
             <a:fld id="{D96C56FA-F925-471D-93D6-721E6E38F12E}" type="datetimeFigureOut">
               <a:rPr lang="en-US" smtClean="0"/>
-              <a:t>7/21/2016</a:t>
+              <a:t>7/22/2016</a:t>
             </a:fld>
             <a:endParaRPr lang="en-US"/>
           </a:p>
@@ -9033,7 +9033,7 @@
           <a:p>
             <a:fld id="{D96C56FA-F925-471D-93D6-721E6E38F12E}" type="datetimeFigureOut">
               <a:rPr lang="en-US" smtClean="0"/>
-              <a:t>7/21/2016</a:t>
+              <a:t>7/22/2016</a:t>
             </a:fld>
             <a:endParaRPr lang="en-US"/>
           </a:p>
@@ -9400,7 +9400,7 @@
           <a:p>
             <a:fld id="{D96C56FA-F925-471D-93D6-721E6E38F12E}" type="datetimeFigureOut">
               <a:rPr lang="en-US" smtClean="0"/>
-              <a:t>7/21/2016</a:t>
+              <a:t>7/22/2016</a:t>
             </a:fld>
             <a:endParaRPr lang="en-US"/>
           </a:p>
@@ -9518,7 +9518,7 @@
           <a:p>
             <a:fld id="{D96C56FA-F925-471D-93D6-721E6E38F12E}" type="datetimeFigureOut">
               <a:rPr lang="en-US" smtClean="0"/>
-              <a:t>7/21/2016</a:t>
+              <a:t>7/22/2016</a:t>
             </a:fld>
             <a:endParaRPr lang="en-US"/>
           </a:p>
@@ -9613,7 +9613,7 @@
           <a:p>
             <a:fld id="{D96C56FA-F925-471D-93D6-721E6E38F12E}" type="datetimeFigureOut">
               <a:rPr lang="en-US" smtClean="0"/>
-              <a:t>7/21/2016</a:t>
+              <a:t>7/22/2016</a:t>
             </a:fld>
             <a:endParaRPr lang="en-US"/>
           </a:p>
@@ -9890,7 +9890,7 @@
           <a:p>
             <a:fld id="{D96C56FA-F925-471D-93D6-721E6E38F12E}" type="datetimeFigureOut">
               <a:rPr lang="en-US" smtClean="0"/>
-              <a:t>7/21/2016</a:t>
+              <a:t>7/22/2016</a:t>
             </a:fld>
             <a:endParaRPr lang="en-US"/>
           </a:p>
@@ -10143,7 +10143,7 @@
           <a:p>
             <a:fld id="{D96C56FA-F925-471D-93D6-721E6E38F12E}" type="datetimeFigureOut">
               <a:rPr lang="en-US" smtClean="0"/>
-              <a:t>7/21/2016</a:t>
+              <a:t>7/22/2016</a:t>
             </a:fld>
             <a:endParaRPr lang="en-US"/>
           </a:p>
@@ -10356,7 +10356,7 @@
           <a:p>
             <a:fld id="{D96C56FA-F925-471D-93D6-721E6E38F12E}" type="datetimeFigureOut">
               <a:rPr lang="en-US" smtClean="0"/>
-              <a:t>7/21/2016</a:t>
+              <a:t>7/22/2016</a:t>
             </a:fld>
             <a:endParaRPr lang="en-US"/>
           </a:p>
@@ -11121,11 +11121,7 @@
             </a:r>
             <a:r>
               <a:rPr lang="en-US" dirty="0" smtClean="0"/>
-              <a:t> </a:t>
-            </a:r>
-            <a:r>
-              <a:rPr lang="en-US" dirty="0" smtClean="0"/>
-              <a:t>filter</a:t>
+              <a:t> filter</a:t>
             </a:r>
             <a:endParaRPr lang="en-US" sz="1100" i="1" dirty="0"/>
           </a:p>
@@ -11174,11 +11170,7 @@
             </a:r>
             <a:r>
               <a:rPr lang="en-US" dirty="0" smtClean="0"/>
-              <a:t> </a:t>
-            </a:r>
-            <a:r>
-              <a:rPr lang="en-US" dirty="0" smtClean="0"/>
-              <a:t>filter </a:t>
+              <a:t> filter </a:t>
             </a:r>
             <a:endParaRPr lang="en-US" sz="1100" i="1" dirty="0"/>
           </a:p>
@@ -11546,12 +11538,8 @@
           <a:p>
             <a:pPr algn="ctr"/>
             <a:r>
-              <a:rPr lang="en-US" sz="2000" smtClean="0"/>
-              <a:t>2. </a:t>
-            </a:r>
-            <a:r>
               <a:rPr lang="en-US" sz="2000" dirty="0" smtClean="0"/>
-              <a:t>Pattern Match</a:t>
+              <a:t>2. Pattern Match</a:t>
             </a:r>
             <a:endParaRPr lang="en-US" sz="2000" i="1" dirty="0"/>
           </a:p>
@@ -11640,8 +11628,8 @@
         </p:nvSpPr>
         <p:spPr>
           <a:xfrm>
-            <a:off x="3602870" y="5701094"/>
-            <a:ext cx="1032588" cy="379445"/>
+            <a:off x="3376245" y="5701094"/>
+            <a:ext cx="1385127" cy="338554"/>
           </a:xfrm>
           <a:prstGeom prst="rect">
             <a:avLst/>
@@ -11656,14 +11644,22 @@
           <a:p>
             <a:pPr algn="ctr"/>
             <a:r>
-              <a:rPr lang="en-US" dirty="0" err="1" smtClean="0"/>
+              <a:rPr lang="en-US" sz="1600" dirty="0" smtClean="0"/>
+              <a:t>(</a:t>
+            </a:r>
+            <a:r>
+              <a:rPr lang="en-US" sz="1600" dirty="0" err="1" smtClean="0"/>
               <a:t>i</a:t>
             </a:r>
             <a:r>
-              <a:rPr lang="en-US" dirty="0" smtClean="0"/>
-              <a:t>) Naive</a:t>
-            </a:r>
-            <a:endParaRPr lang="en-US" dirty="0"/>
+              <a:rPr lang="en-US" sz="1600" dirty="0" smtClean="0"/>
+              <a:t>) </a:t>
+            </a:r>
+            <a:r>
+              <a:rPr lang="en-US" sz="1600" dirty="0" smtClean="0"/>
+              <a:t>Baseline</a:t>
+            </a:r>
+            <a:endParaRPr lang="en-US" sz="1600" dirty="0"/>
           </a:p>
         </p:txBody>
       </p:sp>
@@ -11675,8 +11671,8 @@
         </p:nvSpPr>
         <p:spPr>
           <a:xfrm>
-            <a:off x="7085917" y="5717427"/>
-            <a:ext cx="1443135" cy="369332"/>
+            <a:off x="6206016" y="5701094"/>
+            <a:ext cx="3157437" cy="338554"/>
           </a:xfrm>
           <a:prstGeom prst="rect">
             <a:avLst/>
@@ -11691,10 +11687,18 @@
           <a:p>
             <a:pPr algn="ctr"/>
             <a:r>
-              <a:rPr lang="en-US" dirty="0" smtClean="0"/>
-              <a:t>ii) Optimized</a:t>
-            </a:r>
-            <a:endParaRPr lang="en-US" dirty="0"/>
+              <a:rPr lang="en-US" sz="1600" dirty="0" smtClean="0"/>
+              <a:t>(ii</a:t>
+            </a:r>
+            <a:r>
+              <a:rPr lang="en-US" sz="1600" dirty="0" smtClean="0"/>
+              <a:t>) </a:t>
+            </a:r>
+            <a:r>
+              <a:rPr lang="en-US" sz="1600" dirty="0" smtClean="0"/>
+              <a:t>Abstract pattern matching</a:t>
+            </a:r>
+            <a:endParaRPr lang="en-US" sz="1600" dirty="0"/>
           </a:p>
         </p:txBody>
       </p:sp>
